--- a/サザエさんのじゃんけん.pptx
+++ b/サザエさんのじゃんけん.pptx
@@ -6550,7 +6550,7 @@
       </p:sp>
       <p:pic>
         <p:nvPicPr>
-          <p:cNvPr id="4" name="図 3"/>
+          <p:cNvPr id="5" name="図 4"/>
           <p:cNvPicPr>
             <a:picLocks noChangeAspect="1"/>
           </p:cNvPicPr>
@@ -6564,8 +6564,8 @@
         </p:blipFill>
         <p:spPr>
           <a:xfrm>
-            <a:off x="937877" y="2169083"/>
-            <a:ext cx="1998506" cy="1477769"/>
+            <a:off x="6067425" y="3395662"/>
+            <a:ext cx="57150" cy="66675"/>
           </a:xfrm>
           <a:prstGeom prst="rect">
             <a:avLst/>
@@ -6574,7 +6574,7 @@
       </p:pic>
       <p:pic>
         <p:nvPicPr>
-          <p:cNvPr id="7" name="図 6"/>
+          <p:cNvPr id="6" name="図 5"/>
           <p:cNvPicPr>
             <a:picLocks noChangeAspect="1"/>
           </p:cNvPicPr>
@@ -6588,8 +6588,32 @@
         </p:blipFill>
         <p:spPr>
           <a:xfrm>
-            <a:off x="937877" y="5315351"/>
-            <a:ext cx="2657505" cy="660445"/>
+            <a:off x="937877" y="2184082"/>
+            <a:ext cx="2147781" cy="1568946"/>
+          </a:xfrm>
+          <a:prstGeom prst="rect">
+            <a:avLst/>
+          </a:prstGeom>
+        </p:spPr>
+      </p:pic>
+      <p:pic>
+        <p:nvPicPr>
+          <p:cNvPr id="8" name="図 7"/>
+          <p:cNvPicPr>
+            <a:picLocks noChangeAspect="1"/>
+          </p:cNvPicPr>
+          <p:nvPr/>
+        </p:nvPicPr>
+        <p:blipFill>
+          <a:blip r:embed="rId4"/>
+          <a:stretch>
+            <a:fillRect/>
+          </a:stretch>
+        </p:blipFill>
+        <p:spPr>
+          <a:xfrm>
+            <a:off x="937876" y="5286374"/>
+            <a:ext cx="2828521" cy="702946"/>
           </a:xfrm>
           <a:prstGeom prst="rect">
             <a:avLst/>
@@ -6963,7 +6987,7 @@
       </p:pic>
       <p:pic>
         <p:nvPicPr>
-          <p:cNvPr id="5" name="図 4"/>
+          <p:cNvPr id="6" name="図 5"/>
           <p:cNvPicPr>
             <a:picLocks noChangeAspect="1"/>
           </p:cNvPicPr>
@@ -6977,8 +7001,8 @@
         </p:blipFill>
         <p:spPr>
           <a:xfrm>
-            <a:off x="847724" y="3751115"/>
-            <a:ext cx="1998506" cy="1361798"/>
+            <a:off x="782264" y="3715953"/>
+            <a:ext cx="2147781" cy="1568946"/>
           </a:xfrm>
           <a:prstGeom prst="rect">
             <a:avLst/>
@@ -7332,7 +7356,7 @@
       </p:sp>
       <p:pic>
         <p:nvPicPr>
-          <p:cNvPr id="4" name="図 3"/>
+          <p:cNvPr id="5" name="図 4"/>
           <p:cNvPicPr>
             <a:picLocks noChangeAspect="1"/>
           </p:cNvPicPr>
@@ -7346,8 +7370,8 @@
         </p:blipFill>
         <p:spPr>
           <a:xfrm>
-            <a:off x="860602" y="4137482"/>
-            <a:ext cx="1998506" cy="1361798"/>
+            <a:off x="3387076" y="3658673"/>
+            <a:ext cx="4181475" cy="2819400"/>
           </a:xfrm>
           <a:prstGeom prst="rect">
             <a:avLst/>
@@ -7356,7 +7380,7 @@
       </p:pic>
       <p:pic>
         <p:nvPicPr>
-          <p:cNvPr id="5" name="図 4"/>
+          <p:cNvPr id="6" name="図 5"/>
           <p:cNvPicPr>
             <a:picLocks noChangeAspect="1"/>
           </p:cNvPicPr>
@@ -7370,8 +7394,8 @@
         </p:blipFill>
         <p:spPr>
           <a:xfrm>
-            <a:off x="3387076" y="3658673"/>
-            <a:ext cx="4181475" cy="2819400"/>
+            <a:off x="797255" y="4087833"/>
+            <a:ext cx="2147781" cy="1568946"/>
           </a:xfrm>
           <a:prstGeom prst="rect">
             <a:avLst/>
@@ -7520,7 +7544,7 @@
       </p:sp>
       <p:pic>
         <p:nvPicPr>
-          <p:cNvPr id="4" name="図 3"/>
+          <p:cNvPr id="5" name="図 4"/>
           <p:cNvPicPr>
             <a:picLocks noChangeAspect="1"/>
           </p:cNvPicPr>
@@ -7534,8 +7558,8 @@
         </p:blipFill>
         <p:spPr>
           <a:xfrm>
-            <a:off x="834846" y="2847912"/>
-            <a:ext cx="2830122" cy="1928468"/>
+            <a:off x="4238296" y="2642116"/>
+            <a:ext cx="5498133" cy="3707169"/>
           </a:xfrm>
           <a:prstGeom prst="rect">
             <a:avLst/>
@@ -7544,7 +7568,7 @@
       </p:pic>
       <p:pic>
         <p:nvPicPr>
-          <p:cNvPr id="5" name="図 4"/>
+          <p:cNvPr id="6" name="図 5"/>
           <p:cNvPicPr>
             <a:picLocks noChangeAspect="1"/>
           </p:cNvPicPr>
@@ -7558,8 +7582,8 @@
         </p:blipFill>
         <p:spPr>
           <a:xfrm>
-            <a:off x="4238296" y="2642116"/>
-            <a:ext cx="5498133" cy="3707169"/>
+            <a:off x="797255" y="3248383"/>
+            <a:ext cx="2632763" cy="1923224"/>
           </a:xfrm>
           <a:prstGeom prst="rect">
             <a:avLst/>
@@ -11257,7 +11281,7 @@
       </p:sp>
       <p:pic>
         <p:nvPicPr>
-          <p:cNvPr id="4" name="図 3"/>
+          <p:cNvPr id="6" name="図 5"/>
           <p:cNvPicPr>
             <a:picLocks noChangeAspect="1"/>
           </p:cNvPicPr>
@@ -11271,8 +11295,8 @@
         </p:blipFill>
         <p:spPr>
           <a:xfrm>
-            <a:off x="775482" y="2211074"/>
-            <a:ext cx="7781925" cy="2124075"/>
+            <a:off x="775482" y="2207720"/>
+            <a:ext cx="7781925" cy="2114550"/>
           </a:xfrm>
           <a:prstGeom prst="rect">
             <a:avLst/>
@@ -11281,7 +11305,7 @@
       </p:pic>
       <p:pic>
         <p:nvPicPr>
-          <p:cNvPr id="5" name="図 4"/>
+          <p:cNvPr id="7" name="図 6"/>
           <p:cNvPicPr>
             <a:picLocks noChangeAspect="1"/>
           </p:cNvPicPr>
@@ -11531,6 +11555,9 @@
             <a:endParaRPr lang="en-US" altLang="ja-JP" dirty="0"/>
           </a:p>
           <a:p>
+            <a:pPr marL="0" indent="0">
+              <a:buNone/>
+            </a:pPr>
             <a:endParaRPr lang="en-US" altLang="ja-JP" dirty="0"/>
           </a:p>
           <a:p>
@@ -11572,30 +11599,6 @@
           </a:p>
         </p:txBody>
       </p:sp>
-      <p:pic>
-        <p:nvPicPr>
-          <p:cNvPr id="5" name="図 4"/>
-          <p:cNvPicPr>
-            <a:picLocks noChangeAspect="1"/>
-          </p:cNvPicPr>
-          <p:nvPr/>
-        </p:nvPicPr>
-        <p:blipFill>
-          <a:blip r:embed="rId2"/>
-          <a:stretch>
-            <a:fillRect/>
-          </a:stretch>
-        </p:blipFill>
-        <p:spPr>
-          <a:xfrm>
-            <a:off x="677334" y="3114061"/>
-            <a:ext cx="7546655" cy="1005157"/>
-          </a:xfrm>
-          <a:prstGeom prst="rect">
-            <a:avLst/>
-          </a:prstGeom>
-        </p:spPr>
-      </p:pic>
       <p:pic>
         <p:nvPicPr>
           <p:cNvPr id="6" name="図 5"/>
@@ -11605,7 +11608,7 @@
           <p:nvPr/>
         </p:nvPicPr>
         <p:blipFill>
-          <a:blip r:embed="rId3"/>
+          <a:blip r:embed="rId2"/>
           <a:stretch>
             <a:fillRect/>
           </a:stretch>
@@ -11629,7 +11632,7 @@
           <p:nvPr/>
         </p:nvPicPr>
         <p:blipFill>
-          <a:blip r:embed="rId4"/>
+          <a:blip r:embed="rId3"/>
           <a:stretch>
             <a:fillRect/>
           </a:stretch>
@@ -11653,7 +11656,7 @@
           <p:nvPr/>
         </p:nvPicPr>
         <p:blipFill>
-          <a:blip r:embed="rId5"/>
+          <a:blip r:embed="rId4"/>
           <a:stretch>
             <a:fillRect/>
           </a:stretch>
@@ -11662,6 +11665,30 @@
           <a:xfrm>
             <a:off x="9072824" y="4093196"/>
             <a:ext cx="2619375" cy="2238375"/>
+          </a:xfrm>
+          <a:prstGeom prst="rect">
+            <a:avLst/>
+          </a:prstGeom>
+        </p:spPr>
+      </p:pic>
+      <p:pic>
+        <p:nvPicPr>
+          <p:cNvPr id="4" name="図 3"/>
+          <p:cNvPicPr>
+            <a:picLocks noChangeAspect="1"/>
+          </p:cNvPicPr>
+          <p:nvPr/>
+        </p:nvPicPr>
+        <p:blipFill>
+          <a:blip r:embed="rId5"/>
+          <a:stretch>
+            <a:fillRect/>
+          </a:stretch>
+        </p:blipFill>
+        <p:spPr>
+          <a:xfrm>
+            <a:off x="713842" y="3179762"/>
+            <a:ext cx="7017450" cy="938640"/>
           </a:xfrm>
           <a:prstGeom prst="rect">
             <a:avLst/>
@@ -13374,11 +13401,19 @@
             </a:pPr>
             <a:r>
               <a:rPr lang="en-US" altLang="ja-JP" dirty="0"/>
-              <a:t>hand &lt;- c['G','C','P</a:t>
+              <a:t>hand &lt;- </a:t>
             </a:r>
             <a:r>
               <a:rPr lang="en-US" altLang="ja-JP" dirty="0" smtClean="0"/>
-              <a:t>'];</a:t>
+              <a:t>c('G</a:t>
+            </a:r>
+            <a:r>
+              <a:rPr lang="en-US" altLang="ja-JP" dirty="0"/>
+              <a:t>','C',</a:t>
+            </a:r>
+            <a:r>
+              <a:rPr lang="en-US" altLang="ja-JP" dirty="0" smtClean="0"/>
+              <a:t>'P‘);</a:t>
             </a:r>
             <a:endParaRPr lang="en-US" altLang="ja-JP" dirty="0"/>
           </a:p>
@@ -16627,7 +16662,7 @@
           <p:nvPr>
             <p:extLst>
               <p:ext uri="{D42A27DB-BD31-4B8C-83A1-F6EECF244321}">
-                <p14:modId xmlns:p14="http://schemas.microsoft.com/office/powerpoint/2010/main" val="3540737668"/>
+                <p14:modId xmlns:p14="http://schemas.microsoft.com/office/powerpoint/2010/main" val="3964315694"/>
               </p:ext>
             </p:extLst>
           </p:nvPr>
@@ -16785,7 +16820,7 @@
                     <a:p>
                       <a:r>
                         <a:rPr kumimoji="1" lang="en-US" altLang="ja-JP" sz="1600" dirty="0" smtClean="0"/>
-                        <a:t>0.70</a:t>
+                        <a:t>0.71</a:t>
                       </a:r>
                       <a:endParaRPr kumimoji="1" lang="ja-JP" altLang="en-US" sz="1600" dirty="0"/>
                     </a:p>
@@ -16929,7 +16964,7 @@
                     <a:p>
                       <a:r>
                         <a:rPr kumimoji="1" lang="en-US" altLang="ja-JP" sz="1600" dirty="0" smtClean="0"/>
-                        <a:t>0.63</a:t>
+                        <a:t>0.64</a:t>
                       </a:r>
                       <a:endParaRPr kumimoji="1" lang="ja-JP" altLang="en-US" sz="1600" dirty="0"/>
                     </a:p>
@@ -17145,7 +17180,7 @@
                     <a:p>
                       <a:r>
                         <a:rPr kumimoji="1" lang="en-US" altLang="ja-JP" sz="1600" dirty="0" smtClean="0"/>
-                        <a:t>0.83</a:t>
+                        <a:t>0.84</a:t>
                       </a:r>
                       <a:endParaRPr kumimoji="1" lang="ja-JP" altLang="en-US" sz="1600" dirty="0"/>
                     </a:p>

--- a/サザエさんのじゃんけん.pptx
+++ b/サザエさんのじゃんけん.pptx
@@ -874,7 +874,7 @@
             <a:fld id="{B61BEF0D-F0BB-DE4B-95CE-6DB70DBA9567}" type="datetimeFigureOut">
               <a:rPr lang="en-US" dirty="0"/>
               <a:pPr/>
-              <a:t>1/5/2014</a:t>
+              <a:t>1/8/2014</a:t>
             </a:fld>
             <a:endParaRPr lang="en-US" dirty="0"/>
           </a:p>
@@ -1122,7 +1122,7 @@
             <a:fld id="{B61BEF0D-F0BB-DE4B-95CE-6DB70DBA9567}" type="datetimeFigureOut">
               <a:rPr lang="en-US" dirty="0"/>
               <a:pPr/>
-              <a:t>1/5/2014</a:t>
+              <a:t>1/8/2014</a:t>
             </a:fld>
             <a:endParaRPr lang="en-US" dirty="0"/>
           </a:p>
@@ -1433,7 +1433,7 @@
             <a:fld id="{B61BEF0D-F0BB-DE4B-95CE-6DB70DBA9567}" type="datetimeFigureOut">
               <a:rPr lang="en-US" dirty="0"/>
               <a:pPr/>
-              <a:t>1/5/2014</a:t>
+              <a:t>1/8/2014</a:t>
             </a:fld>
             <a:endParaRPr lang="en-US" dirty="0"/>
           </a:p>
@@ -1771,7 +1771,7 @@
             <a:fld id="{B61BEF0D-F0BB-DE4B-95CE-6DB70DBA9567}" type="datetimeFigureOut">
               <a:rPr lang="en-US" dirty="0"/>
               <a:pPr/>
-              <a:t>1/5/2014</a:t>
+              <a:t>1/8/2014</a:t>
             </a:fld>
             <a:endParaRPr lang="en-US" dirty="0"/>
           </a:p>
@@ -2082,7 +2082,7 @@
             <a:fld id="{B61BEF0D-F0BB-DE4B-95CE-6DB70DBA9567}" type="datetimeFigureOut">
               <a:rPr lang="en-US" dirty="0"/>
               <a:pPr/>
-              <a:t>1/5/2014</a:t>
+              <a:t>1/8/2014</a:t>
             </a:fld>
             <a:endParaRPr lang="en-US" dirty="0"/>
           </a:p>
@@ -2472,7 +2472,7 @@
             <a:fld id="{B61BEF0D-F0BB-DE4B-95CE-6DB70DBA9567}" type="datetimeFigureOut">
               <a:rPr lang="en-US" dirty="0"/>
               <a:pPr/>
-              <a:t>1/5/2014</a:t>
+              <a:t>1/8/2014</a:t>
             </a:fld>
             <a:endParaRPr lang="en-US" dirty="0"/>
           </a:p>
@@ -2670,7 +2670,7 @@
           <a:p>
             <a:fld id="{55C6B4A9-1611-4792-9094-5F34BCA07E0B}" type="datetimeFigureOut">
               <a:rPr lang="en-US" dirty="0"/>
-              <a:t>1/5/2014</a:t>
+              <a:t>1/8/2014</a:t>
             </a:fld>
             <a:endParaRPr lang="en-US" dirty="0"/>
           </a:p>
@@ -2878,7 +2878,7 @@
             <a:fld id="{B61BEF0D-F0BB-DE4B-95CE-6DB70DBA9567}" type="datetimeFigureOut">
               <a:rPr lang="en-US" dirty="0"/>
               <a:pPr/>
-              <a:t>1/5/2014</a:t>
+              <a:t>1/8/2014</a:t>
             </a:fld>
             <a:endParaRPr lang="en-US" dirty="0"/>
           </a:p>
@@ -3083,7 +3083,7 @@
             <a:fld id="{B61BEF0D-F0BB-DE4B-95CE-6DB70DBA9567}" type="datetimeFigureOut">
               <a:rPr lang="en-US" dirty="0"/>
               <a:pPr/>
-              <a:t>1/5/2014</a:t>
+              <a:t>1/8/2014</a:t>
             </a:fld>
             <a:endParaRPr lang="en-US" dirty="0"/>
           </a:p>
@@ -3327,7 +3327,7 @@
             <a:fld id="{B61BEF0D-F0BB-DE4B-95CE-6DB70DBA9567}" type="datetimeFigureOut">
               <a:rPr lang="en-US" dirty="0"/>
               <a:pPr/>
-              <a:t>1/5/2014</a:t>
+              <a:t>1/8/2014</a:t>
             </a:fld>
             <a:endParaRPr lang="en-US" dirty="0"/>
           </a:p>
@@ -3619,7 +3619,7 @@
           <a:p>
             <a:fld id="{EB712588-04B1-427B-82EE-E8DB90309F08}" type="datetimeFigureOut">
               <a:rPr lang="en-US" dirty="0"/>
-              <a:t>1/5/2014</a:t>
+              <a:t>1/8/2014</a:t>
             </a:fld>
             <a:endParaRPr lang="en-US" dirty="0"/>
           </a:p>
@@ -4053,7 +4053,7 @@
             <a:fld id="{B61BEF0D-F0BB-DE4B-95CE-6DB70DBA9567}" type="datetimeFigureOut">
               <a:rPr lang="en-US" dirty="0"/>
               <a:pPr/>
-              <a:t>1/5/2014</a:t>
+              <a:t>1/8/2014</a:t>
             </a:fld>
             <a:endParaRPr lang="en-US" dirty="0"/>
           </a:p>
@@ -4173,7 +4173,7 @@
             <a:fld id="{B61BEF0D-F0BB-DE4B-95CE-6DB70DBA9567}" type="datetimeFigureOut">
               <a:rPr lang="en-US" dirty="0"/>
               <a:pPr/>
-              <a:t>1/5/2014</a:t>
+              <a:t>1/8/2014</a:t>
             </a:fld>
             <a:endParaRPr lang="en-US" dirty="0"/>
           </a:p>
@@ -4265,7 +4265,7 @@
             <a:fld id="{B61BEF0D-F0BB-DE4B-95CE-6DB70DBA9567}" type="datetimeFigureOut">
               <a:rPr lang="en-US" dirty="0"/>
               <a:pPr/>
-              <a:t>1/5/2014</a:t>
+              <a:t>1/8/2014</a:t>
             </a:fld>
             <a:endParaRPr lang="en-US" dirty="0"/>
           </a:p>
@@ -4548,7 +4548,7 @@
           <a:p>
             <a:fld id="{42A54C80-263E-416B-A8E0-580EDEADCBDC}" type="datetimeFigureOut">
               <a:rPr lang="en-US" dirty="0"/>
-              <a:t>1/5/2014</a:t>
+              <a:t>1/8/2014</a:t>
             </a:fld>
             <a:endParaRPr lang="en-US" dirty="0"/>
           </a:p>
@@ -4807,7 +4807,7 @@
             <a:fld id="{B61BEF0D-F0BB-DE4B-95CE-6DB70DBA9567}" type="datetimeFigureOut">
               <a:rPr lang="en-US" dirty="0"/>
               <a:pPr/>
-              <a:t>1/5/2014</a:t>
+              <a:t>1/8/2014</a:t>
             </a:fld>
             <a:endParaRPr lang="en-US" dirty="0"/>
           </a:p>
@@ -5579,7 +5579,7 @@
             <a:fld id="{B61BEF0D-F0BB-DE4B-95CE-6DB70DBA9567}" type="datetimeFigureOut">
               <a:rPr lang="en-US" dirty="0"/>
               <a:pPr/>
-              <a:t>1/5/2014</a:t>
+              <a:t>1/8/2014</a:t>
             </a:fld>
             <a:endParaRPr lang="en-US" dirty="0"/>
           </a:p>
@@ -6524,7 +6524,15 @@
             </a:r>
             <a:r>
               <a:rPr lang="ja-JP" altLang="en-US" dirty="0" smtClean="0"/>
-              <a:t>」に則ったデータに加工にする必要があって面倒である。</a:t>
+              <a:t>」に則ったデータに</a:t>
+            </a:r>
+            <a:r>
+              <a:rPr lang="ja-JP" altLang="en-US" dirty="0" smtClean="0"/>
+              <a:t>加工する</a:t>
+            </a:r>
+            <a:r>
+              <a:rPr lang="ja-JP" altLang="en-US" dirty="0" smtClean="0"/>
+              <a:t>必要があって面倒である。</a:t>
             </a:r>
             <a:endParaRPr lang="en-US" altLang="ja-JP" dirty="0" smtClean="0"/>
           </a:p>
@@ -7513,7 +7521,15 @@
             </a:r>
             <a:r>
               <a:rPr kumimoji="1" lang="ja-JP" altLang="en-US" dirty="0" smtClean="0"/>
-              <a:t>年のじゃんけんの手の総数の割にはあまり片寄りがなく均衡した結果となっている。</a:t>
+              <a:t>年のじゃんけんの手の総数の割には</a:t>
+            </a:r>
+            <a:r>
+              <a:rPr kumimoji="1" lang="ja-JP" altLang="en-US" dirty="0" smtClean="0"/>
+              <a:t>あまり偏りが</a:t>
+            </a:r>
+            <a:r>
+              <a:rPr kumimoji="1" lang="ja-JP" altLang="en-US" dirty="0" smtClean="0"/>
+              <a:t>なく均衡した結果となっている。</a:t>
             </a:r>
             <a:endParaRPr kumimoji="1" lang="en-US" altLang="ja-JP" dirty="0" smtClean="0"/>
           </a:p>
@@ -7691,11 +7707,19 @@
             </a:r>
             <a:r>
               <a:rPr lang="en-US" altLang="ja-JP" dirty="0" smtClean="0"/>
-              <a:t>(2003</a:t>
-            </a:r>
-            <a:r>
-              <a:rPr lang="ja-JP" altLang="en-US" dirty="0" smtClean="0"/>
-              <a:t>年以降</a:t>
+              <a:t>(</a:t>
+            </a:r>
+            <a:r>
+              <a:rPr lang="en-US" altLang="ja-JP" dirty="0" smtClean="0"/>
+              <a:t>2004</a:t>
+            </a:r>
+            <a:r>
+              <a:rPr lang="ja-JP" altLang="en-US" dirty="0" smtClean="0"/>
+              <a:t>年</a:t>
+            </a:r>
+            <a:r>
+              <a:rPr lang="ja-JP" altLang="en-US" dirty="0" smtClean="0"/>
+              <a:t>以降</a:t>
             </a:r>
             <a:r>
               <a:rPr lang="en-US" altLang="ja-JP" dirty="0" smtClean="0"/>
@@ -12218,7 +12242,23 @@
             </a:r>
             <a:r>
               <a:rPr lang="ja-JP" altLang="en-US" dirty="0" smtClean="0"/>
-              <a:t>で同手になること多いのが意外であった。</a:t>
+              <a:t>で同手になる</a:t>
+            </a:r>
+            <a:r>
+              <a:rPr lang="ja-JP" altLang="en-US" dirty="0" smtClean="0"/>
+              <a:t>こと</a:t>
+            </a:r>
+            <a:r>
+              <a:rPr lang="ja-JP" altLang="en-US" dirty="0"/>
+              <a:t>が</a:t>
+            </a:r>
+            <a:r>
+              <a:rPr lang="ja-JP" altLang="en-US" dirty="0" smtClean="0"/>
+              <a:t>多い</a:t>
+            </a:r>
+            <a:r>
+              <a:rPr lang="ja-JP" altLang="en-US" dirty="0" smtClean="0"/>
+              <a:t>のが意外であった。</a:t>
             </a:r>
             <a:endParaRPr kumimoji="1" lang="en-US" altLang="ja-JP" dirty="0" smtClean="0"/>
           </a:p>
@@ -15297,7 +15337,7 @@
         </p:nvSpPr>
         <p:spPr>
           <a:xfrm>
-            <a:off x="5934145" y="3510565"/>
+            <a:off x="5934145" y="4051479"/>
             <a:ext cx="4085618" cy="2297806"/>
           </a:xfrm>
         </p:spPr>
@@ -15406,7 +15446,7 @@
         <p:spPr>
           <a:xfrm>
             <a:off x="677334" y="1442433"/>
-            <a:ext cx="5256811" cy="4636395"/>
+            <a:ext cx="5256811" cy="4906852"/>
           </a:xfrm>
           <a:prstGeom prst="rect">
             <a:avLst/>
@@ -15414,7 +15454,7 @@
         </p:spPr>
         <p:txBody>
           <a:bodyPr vert="horz" lIns="91440" tIns="45720" rIns="91440" bIns="45720" rtlCol="0">
-            <a:normAutofit/>
+            <a:normAutofit lnSpcReduction="10000"/>
           </a:bodyPr>
           <a:lstStyle>
             <a:lvl1pPr marL="342900" indent="-342900" algn="l" defTabSz="457200" rtl="0" eaLnBrk="1" latinLnBrk="0" hangingPunct="1">
@@ -15648,8 +15688,32 @@
               <a:buNone/>
             </a:pPr>
             <a:r>
+              <a:rPr lang="en-US" altLang="ja-JP" sz="1400" dirty="0"/>
+              <a:t> guess &lt;- 'G';  </a:t>
+            </a:r>
+            <a:endParaRPr lang="en-US" altLang="ja-JP" sz="1400" dirty="0" smtClean="0"/>
+          </a:p>
+          <a:p>
+            <a:pPr marL="0" indent="0">
+              <a:buNone/>
+            </a:pPr>
+            <a:endParaRPr lang="en-US" altLang="ja-JP" sz="1400" dirty="0"/>
+          </a:p>
+          <a:p>
+            <a:pPr marL="0" indent="0">
+              <a:buNone/>
+            </a:pPr>
+            <a:r>
+              <a:rPr lang="ja-JP" altLang="en-US" sz="1400" dirty="0"/>
+              <a:t> </a:t>
+            </a:r>
+            <a:r>
+              <a:rPr lang="ja-JP" altLang="en-US" sz="1400" dirty="0" smtClean="0"/>
+              <a:t> </a:t>
+            </a:r>
+            <a:r>
               <a:rPr lang="en-US" altLang="ja-JP" sz="1400" dirty="0" smtClean="0"/>
-              <a:t>  if(</a:t>
+              <a:t>If(</a:t>
             </a:r>
             <a:r>
               <a:rPr lang="en-US" altLang="ja-JP" sz="1400" dirty="0" err="1" smtClean="0"/>
